--- a/MMW/20220804_MMW_kumagai_rev.0.pptx
+++ b/MMW/20220804_MMW_kumagai_rev.0.pptx
@@ -134,6 +134,291 @@
 </p:presentation>
 </file>
 
+<file path=ppt/revisionInfo.xml><?xml version="1.0" encoding="utf-8"?>
+<p1510:revInfo xmlns:a="http://schemas.openxmlformats.org/drawingml/2006/main" xmlns:r="http://schemas.openxmlformats.org/officeDocument/2006/relationships" xmlns:p1510="http://schemas.microsoft.com/office/powerpoint/2015/10/main">
+  <p1510:revLst>
+    <p1510:client id="{5BD6BAB2-6023-4E17-A038-93A6BB631A8B}" v="20" dt="2022-08-02T16:29:32.678"/>
+  </p1510:revLst>
+</p1510:revInfo>
+</file>
+
+<file path=ppt/changesInfos/changesInfo1.xml><?xml version="1.0" encoding="utf-8"?>
+<pc:chgInfo xmlns:a="http://schemas.openxmlformats.org/drawingml/2006/main" xmlns:r="http://schemas.openxmlformats.org/officeDocument/2006/relationships" xmlns:ac="http://schemas.microsoft.com/office/drawing/2013/main/command" xmlns:pc="http://schemas.microsoft.com/office/powerpoint/2013/main/command">
+  <pc:docChgLst>
+    <pc:chgData name="熊谷 渉" userId="b7a4e8598c9bd55e" providerId="LiveId" clId="{5BD6BAB2-6023-4E17-A038-93A6BB631A8B}"/>
+    <pc:docChg chg="undo custSel modSld">
+      <pc:chgData name="熊谷 渉" userId="b7a4e8598c9bd55e" providerId="LiveId" clId="{5BD6BAB2-6023-4E17-A038-93A6BB631A8B}" dt="2022-08-02T16:40:56.377" v="934" actId="1036"/>
+      <pc:docMkLst>
+        <pc:docMk/>
+      </pc:docMkLst>
+      <pc:sldChg chg="addSp delSp modSp mod">
+        <pc:chgData name="熊谷 渉" userId="b7a4e8598c9bd55e" providerId="LiveId" clId="{5BD6BAB2-6023-4E17-A038-93A6BB631A8B}" dt="2022-08-02T16:40:56.377" v="934" actId="1036"/>
+        <pc:sldMkLst>
+          <pc:docMk/>
+          <pc:sldMk cId="813377708" sldId="372"/>
+        </pc:sldMkLst>
+        <pc:spChg chg="mod">
+          <ac:chgData name="熊谷 渉" userId="b7a4e8598c9bd55e" providerId="LiveId" clId="{5BD6BAB2-6023-4E17-A038-93A6BB631A8B}" dt="2022-08-02T15:58:28.867" v="207" actId="20577"/>
+          <ac:spMkLst>
+            <pc:docMk/>
+            <pc:sldMk cId="813377708" sldId="372"/>
+            <ac:spMk id="14" creationId="{E87AC5CB-0891-46ED-86C5-FF795F031FB1}"/>
+          </ac:spMkLst>
+        </pc:spChg>
+        <pc:spChg chg="mod">
+          <ac:chgData name="熊谷 渉" userId="b7a4e8598c9bd55e" providerId="LiveId" clId="{5BD6BAB2-6023-4E17-A038-93A6BB631A8B}" dt="2022-08-02T16:40:56.377" v="934" actId="1036"/>
+          <ac:spMkLst>
+            <pc:docMk/>
+            <pc:sldMk cId="813377708" sldId="372"/>
+            <ac:spMk id="32" creationId="{4D5FCA94-6858-443A-8ECB-9EB1B7E789AC}"/>
+          </ac:spMkLst>
+        </pc:spChg>
+        <pc:spChg chg="mod">
+          <ac:chgData name="熊谷 渉" userId="b7a4e8598c9bd55e" providerId="LiveId" clId="{5BD6BAB2-6023-4E17-A038-93A6BB631A8B}" dt="2022-08-02T16:26:57.428" v="766" actId="1076"/>
+          <ac:spMkLst>
+            <pc:docMk/>
+            <pc:sldMk cId="813377708" sldId="372"/>
+            <ac:spMk id="43" creationId="{DEF858B9-635B-4859-B542-FF2671D2D529}"/>
+          </ac:spMkLst>
+        </pc:spChg>
+        <pc:spChg chg="add del mod">
+          <ac:chgData name="熊谷 渉" userId="b7a4e8598c9bd55e" providerId="LiveId" clId="{5BD6BAB2-6023-4E17-A038-93A6BB631A8B}" dt="2022-08-02T16:19:33.038" v="590" actId="478"/>
+          <ac:spMkLst>
+            <pc:docMk/>
+            <pc:sldMk cId="813377708" sldId="372"/>
+            <ac:spMk id="48" creationId="{6211A166-D4DC-E93D-71BA-27ED830AAE92}"/>
+          </ac:spMkLst>
+        </pc:spChg>
+        <pc:spChg chg="add mod">
+          <ac:chgData name="熊谷 渉" userId="b7a4e8598c9bd55e" providerId="LiveId" clId="{5BD6BAB2-6023-4E17-A038-93A6BB631A8B}" dt="2022-08-02T16:40:56.377" v="934" actId="1036"/>
+          <ac:spMkLst>
+            <pc:docMk/>
+            <pc:sldMk cId="813377708" sldId="372"/>
+            <ac:spMk id="49" creationId="{A3F865FB-9E78-8F6A-A53C-013B8388A4D7}"/>
+          </ac:spMkLst>
+        </pc:spChg>
+        <pc:spChg chg="add del mod">
+          <ac:chgData name="熊谷 渉" userId="b7a4e8598c9bd55e" providerId="LiveId" clId="{5BD6BAB2-6023-4E17-A038-93A6BB631A8B}" dt="2022-08-02T15:55:47.745" v="127" actId="478"/>
+          <ac:spMkLst>
+            <pc:docMk/>
+            <pc:sldMk cId="813377708" sldId="372"/>
+            <ac:spMk id="50" creationId="{524E887B-5669-338E-B75B-F122517137F3}"/>
+          </ac:spMkLst>
+        </pc:spChg>
+        <pc:spChg chg="add mod">
+          <ac:chgData name="熊谷 渉" userId="b7a4e8598c9bd55e" providerId="LiveId" clId="{5BD6BAB2-6023-4E17-A038-93A6BB631A8B}" dt="2022-08-02T16:40:56.377" v="934" actId="1036"/>
+          <ac:spMkLst>
+            <pc:docMk/>
+            <pc:sldMk cId="813377708" sldId="372"/>
+            <ac:spMk id="58" creationId="{42E974ED-A232-4716-22F4-7101B16AF24C}"/>
+          </ac:spMkLst>
+        </pc:spChg>
+        <pc:spChg chg="add mod">
+          <ac:chgData name="熊谷 渉" userId="b7a4e8598c9bd55e" providerId="LiveId" clId="{5BD6BAB2-6023-4E17-A038-93A6BB631A8B}" dt="2022-08-02T16:20:03.293" v="631" actId="1035"/>
+          <ac:spMkLst>
+            <pc:docMk/>
+            <pc:sldMk cId="813377708" sldId="372"/>
+            <ac:spMk id="59" creationId="{3F4E839A-4BF8-64F0-F8AF-7F1EE9CB2A51}"/>
+          </ac:spMkLst>
+        </pc:spChg>
+        <pc:spChg chg="add mod">
+          <ac:chgData name="熊谷 渉" userId="b7a4e8598c9bd55e" providerId="LiveId" clId="{5BD6BAB2-6023-4E17-A038-93A6BB631A8B}" dt="2022-08-02T16:20:03.293" v="631" actId="1035"/>
+          <ac:spMkLst>
+            <pc:docMk/>
+            <pc:sldMk cId="813377708" sldId="372"/>
+            <ac:spMk id="61" creationId="{BCDC396D-7BC6-F63D-D410-2C701803F500}"/>
+          </ac:spMkLst>
+        </pc:spChg>
+        <pc:spChg chg="add mod">
+          <ac:chgData name="熊谷 渉" userId="b7a4e8598c9bd55e" providerId="LiveId" clId="{5BD6BAB2-6023-4E17-A038-93A6BB631A8B}" dt="2022-08-02T16:40:56.377" v="934" actId="1036"/>
+          <ac:spMkLst>
+            <pc:docMk/>
+            <pc:sldMk cId="813377708" sldId="372"/>
+            <ac:spMk id="62" creationId="{428EC942-1D85-0579-F28A-4E564680305E}"/>
+          </ac:spMkLst>
+        </pc:spChg>
+        <pc:spChg chg="add mod">
+          <ac:chgData name="熊谷 渉" userId="b7a4e8598c9bd55e" providerId="LiveId" clId="{5BD6BAB2-6023-4E17-A038-93A6BB631A8B}" dt="2022-08-02T16:22:35.658" v="687" actId="1038"/>
+          <ac:spMkLst>
+            <pc:docMk/>
+            <pc:sldMk cId="813377708" sldId="372"/>
+            <ac:spMk id="63" creationId="{6D633548-1116-8146-8601-59BDC9776C19}"/>
+          </ac:spMkLst>
+        </pc:spChg>
+        <pc:spChg chg="mod">
+          <ac:chgData name="熊谷 渉" userId="b7a4e8598c9bd55e" providerId="LiveId" clId="{5BD6BAB2-6023-4E17-A038-93A6BB631A8B}" dt="2022-08-02T16:24:39.300" v="750" actId="1076"/>
+          <ac:spMkLst>
+            <pc:docMk/>
+            <pc:sldMk cId="813377708" sldId="372"/>
+            <ac:spMk id="66" creationId="{EFC0C5FD-A566-4D00-8659-54C996087B28}"/>
+          </ac:spMkLst>
+        </pc:spChg>
+        <pc:spChg chg="add mod">
+          <ac:chgData name="熊谷 渉" userId="b7a4e8598c9bd55e" providerId="LiveId" clId="{5BD6BAB2-6023-4E17-A038-93A6BB631A8B}" dt="2022-08-02T16:22:57.819" v="693" actId="1076"/>
+          <ac:spMkLst>
+            <pc:docMk/>
+            <pc:sldMk cId="813377708" sldId="372"/>
+            <ac:spMk id="67" creationId="{D6866EE3-9F26-7B7F-981E-7237A0E1DFC6}"/>
+          </ac:spMkLst>
+        </pc:spChg>
+        <pc:spChg chg="add mod">
+          <ac:chgData name="熊谷 渉" userId="b7a4e8598c9bd55e" providerId="LiveId" clId="{5BD6BAB2-6023-4E17-A038-93A6BB631A8B}" dt="2022-08-02T16:24:35.578" v="747" actId="571"/>
+          <ac:spMkLst>
+            <pc:docMk/>
+            <pc:sldMk cId="813377708" sldId="372"/>
+            <ac:spMk id="68" creationId="{5CA76AEC-D03D-D171-834A-27C207D6CA83}"/>
+          </ac:spMkLst>
+        </pc:spChg>
+        <pc:spChg chg="mod">
+          <ac:chgData name="熊谷 渉" userId="b7a4e8598c9bd55e" providerId="LiveId" clId="{5BD6BAB2-6023-4E17-A038-93A6BB631A8B}" dt="2022-08-02T16:20:03.293" v="631" actId="1035"/>
+          <ac:spMkLst>
+            <pc:docMk/>
+            <pc:sldMk cId="813377708" sldId="372"/>
+            <ac:spMk id="75" creationId="{116AC3B6-1795-439F-A249-50DD5D0D845B}"/>
+          </ac:spMkLst>
+        </pc:spChg>
+        <pc:spChg chg="mod">
+          <ac:chgData name="熊谷 渉" userId="b7a4e8598c9bd55e" providerId="LiveId" clId="{5BD6BAB2-6023-4E17-A038-93A6BB631A8B}" dt="2022-08-02T16:20:03.293" v="631" actId="1035"/>
+          <ac:spMkLst>
+            <pc:docMk/>
+            <pc:sldMk cId="813377708" sldId="372"/>
+            <ac:spMk id="77" creationId="{5934B5AF-EA05-442C-A6CB-D178FC153195}"/>
+          </ac:spMkLst>
+        </pc:spChg>
+        <pc:spChg chg="mod">
+          <ac:chgData name="熊谷 渉" userId="b7a4e8598c9bd55e" providerId="LiveId" clId="{5BD6BAB2-6023-4E17-A038-93A6BB631A8B}" dt="2022-08-02T16:20:03.293" v="631" actId="1035"/>
+          <ac:spMkLst>
+            <pc:docMk/>
+            <pc:sldMk cId="813377708" sldId="372"/>
+            <ac:spMk id="78" creationId="{5306D44A-B252-466E-84B3-EEBBC2E9CD72}"/>
+          </ac:spMkLst>
+        </pc:spChg>
+        <pc:spChg chg="mod">
+          <ac:chgData name="熊谷 渉" userId="b7a4e8598c9bd55e" providerId="LiveId" clId="{5BD6BAB2-6023-4E17-A038-93A6BB631A8B}" dt="2022-08-02T16:20:03.293" v="631" actId="1035"/>
+          <ac:spMkLst>
+            <pc:docMk/>
+            <pc:sldMk cId="813377708" sldId="372"/>
+            <ac:spMk id="79" creationId="{4DDEFD67-38BC-4B3B-B9E6-AD65AA5168C5}"/>
+          </ac:spMkLst>
+        </pc:spChg>
+        <pc:spChg chg="mod">
+          <ac:chgData name="熊谷 渉" userId="b7a4e8598c9bd55e" providerId="LiveId" clId="{5BD6BAB2-6023-4E17-A038-93A6BB631A8B}" dt="2022-08-02T16:20:03.293" v="631" actId="1035"/>
+          <ac:spMkLst>
+            <pc:docMk/>
+            <pc:sldMk cId="813377708" sldId="372"/>
+            <ac:spMk id="80" creationId="{B205C6B3-5BEE-4715-8305-FF69437F8556}"/>
+          </ac:spMkLst>
+        </pc:spChg>
+        <pc:spChg chg="mod">
+          <ac:chgData name="熊谷 渉" userId="b7a4e8598c9bd55e" providerId="LiveId" clId="{5BD6BAB2-6023-4E17-A038-93A6BB631A8B}" dt="2022-08-02T16:22:47.988" v="691" actId="1076"/>
+          <ac:spMkLst>
+            <pc:docMk/>
+            <pc:sldMk cId="813377708" sldId="372"/>
+            <ac:spMk id="82" creationId="{C453AF26-56DE-44E6-8EF3-196D728613C1}"/>
+          </ac:spMkLst>
+        </pc:spChg>
+        <pc:spChg chg="add mod">
+          <ac:chgData name="熊谷 渉" userId="b7a4e8598c9bd55e" providerId="LiveId" clId="{5BD6BAB2-6023-4E17-A038-93A6BB631A8B}" dt="2022-08-02T16:40:56.377" v="934" actId="1036"/>
+          <ac:spMkLst>
+            <pc:docMk/>
+            <pc:sldMk cId="813377708" sldId="372"/>
+            <ac:spMk id="83" creationId="{3738950A-4EF5-37AA-429E-D992CA27FC21}"/>
+          </ac:spMkLst>
+        </pc:spChg>
+        <pc:spChg chg="mod">
+          <ac:chgData name="熊谷 渉" userId="b7a4e8598c9bd55e" providerId="LiveId" clId="{5BD6BAB2-6023-4E17-A038-93A6BB631A8B}" dt="2022-08-02T16:28:08.295" v="767" actId="404"/>
+          <ac:spMkLst>
+            <pc:docMk/>
+            <pc:sldMk cId="813377708" sldId="372"/>
+            <ac:spMk id="84" creationId="{B6741D51-A264-4E16-8C9E-F59380AABD38}"/>
+          </ac:spMkLst>
+        </pc:spChg>
+        <pc:spChg chg="mod">
+          <ac:chgData name="熊谷 渉" userId="b7a4e8598c9bd55e" providerId="LiveId" clId="{5BD6BAB2-6023-4E17-A038-93A6BB631A8B}" dt="2022-08-02T16:24:16.938" v="734" actId="1035"/>
+          <ac:spMkLst>
+            <pc:docMk/>
+            <pc:sldMk cId="813377708" sldId="372"/>
+            <ac:spMk id="85" creationId="{E461F9A7-A412-49E7-AEE6-00829757495F}"/>
+          </ac:spMkLst>
+        </pc:spChg>
+        <pc:spChg chg="add mod">
+          <ac:chgData name="熊谷 渉" userId="b7a4e8598c9bd55e" providerId="LiveId" clId="{5BD6BAB2-6023-4E17-A038-93A6BB631A8B}" dt="2022-08-02T16:40:30.338" v="927" actId="1035"/>
+          <ac:spMkLst>
+            <pc:docMk/>
+            <pc:sldMk cId="813377708" sldId="372"/>
+            <ac:spMk id="86" creationId="{59784499-685D-9C45-3A25-BA66F8271EBE}"/>
+          </ac:spMkLst>
+        </pc:spChg>
+        <pc:picChg chg="add mod ord">
+          <ac:chgData name="熊谷 渉" userId="b7a4e8598c9bd55e" providerId="LiveId" clId="{5BD6BAB2-6023-4E17-A038-93A6BB631A8B}" dt="2022-08-02T16:20:03.293" v="631" actId="1035"/>
+          <ac:picMkLst>
+            <pc:docMk/>
+            <pc:sldMk cId="813377708" sldId="372"/>
+            <ac:picMk id="4" creationId="{FC6D9AD7-0ADE-FE8B-AB35-AA16A1CA6311}"/>
+          </ac:picMkLst>
+        </pc:picChg>
+        <pc:picChg chg="add mod ord modCrop">
+          <ac:chgData name="熊谷 渉" userId="b7a4e8598c9bd55e" providerId="LiveId" clId="{5BD6BAB2-6023-4E17-A038-93A6BB631A8B}" dt="2022-08-02T16:40:56.377" v="934" actId="1036"/>
+          <ac:picMkLst>
+            <pc:docMk/>
+            <pc:sldMk cId="813377708" sldId="372"/>
+            <ac:picMk id="5" creationId="{D5A947A0-AD89-BF1B-F231-F2F41B182687}"/>
+          </ac:picMkLst>
+        </pc:picChg>
+        <pc:picChg chg="mod">
+          <ac:chgData name="熊谷 渉" userId="b7a4e8598c9bd55e" providerId="LiveId" clId="{5BD6BAB2-6023-4E17-A038-93A6BB631A8B}" dt="2022-08-02T16:22:54.108" v="692" actId="12789"/>
+          <ac:picMkLst>
+            <pc:docMk/>
+            <pc:sldMk cId="813377708" sldId="372"/>
+            <ac:picMk id="28" creationId="{6113725B-C950-43D2-A28D-E10B6473DCFE}"/>
+          </ac:picMkLst>
+        </pc:picChg>
+        <pc:picChg chg="mod">
+          <ac:chgData name="熊谷 渉" userId="b7a4e8598c9bd55e" providerId="LiveId" clId="{5BD6BAB2-6023-4E17-A038-93A6BB631A8B}" dt="2022-08-02T16:20:03.293" v="631" actId="1035"/>
+          <ac:picMkLst>
+            <pc:docMk/>
+            <pc:sldMk cId="813377708" sldId="372"/>
+            <ac:picMk id="57" creationId="{EA0FBD46-64A0-4201-A34F-9421496E9299}"/>
+          </ac:picMkLst>
+        </pc:picChg>
+        <pc:picChg chg="mod">
+          <ac:chgData name="熊谷 渉" userId="b7a4e8598c9bd55e" providerId="LiveId" clId="{5BD6BAB2-6023-4E17-A038-93A6BB631A8B}" dt="2022-08-02T16:20:03.293" v="631" actId="1035"/>
+          <ac:picMkLst>
+            <pc:docMk/>
+            <pc:sldMk cId="813377708" sldId="372"/>
+            <ac:picMk id="71" creationId="{0837E93A-EF48-466C-B1A7-F7E562827F43}"/>
+          </ac:picMkLst>
+        </pc:picChg>
+        <pc:picChg chg="mod">
+          <ac:chgData name="熊谷 渉" userId="b7a4e8598c9bd55e" providerId="LiveId" clId="{5BD6BAB2-6023-4E17-A038-93A6BB631A8B}" dt="2022-08-02T16:20:03.293" v="631" actId="1035"/>
+          <ac:picMkLst>
+            <pc:docMk/>
+            <pc:sldMk cId="813377708" sldId="372"/>
+            <ac:picMk id="76" creationId="{673493DC-EAA2-4DF7-9F43-A7C4A0227C6E}"/>
+          </ac:picMkLst>
+        </pc:picChg>
+        <pc:picChg chg="mod">
+          <ac:chgData name="熊谷 渉" userId="b7a4e8598c9bd55e" providerId="LiveId" clId="{5BD6BAB2-6023-4E17-A038-93A6BB631A8B}" dt="2022-08-02T16:22:54.108" v="692" actId="12789"/>
+          <ac:picMkLst>
+            <pc:docMk/>
+            <pc:sldMk cId="813377708" sldId="372"/>
+            <ac:picMk id="81" creationId="{68EE5DE4-BB14-4BB0-B01D-D10480C8E83B}"/>
+          </ac:picMkLst>
+        </pc:picChg>
+        <pc:picChg chg="add del mod">
+          <ac:chgData name="熊谷 渉" userId="b7a4e8598c9bd55e" providerId="LiveId" clId="{5BD6BAB2-6023-4E17-A038-93A6BB631A8B}" dt="2022-08-02T16:18:39.420" v="583" actId="478"/>
+          <ac:picMkLst>
+            <pc:docMk/>
+            <pc:sldMk cId="813377708" sldId="372"/>
+            <ac:picMk id="1026" creationId="{3C5440BA-485A-E886-9B04-80D417A76205}"/>
+          </ac:picMkLst>
+        </pc:picChg>
+      </pc:sldChg>
+    </pc:docChg>
+  </pc:docChgLst>
+</pc:chgInfo>
+</file>
+
 <file path=ppt/notesMasters/notesMaster1.xml><?xml version="1.0" encoding="utf-8"?>
 <p:notesMaster xmlns:a="http://schemas.openxmlformats.org/drawingml/2006/main" xmlns:r="http://schemas.openxmlformats.org/officeDocument/2006/relationships" xmlns:p="http://schemas.openxmlformats.org/presentationml/2006/main">
   <p:cSld>
@@ -216,7 +501,7 @@
           <a:p>
             <a:fld id="{82150B36-03E6-4D3A-8098-12EB1C30C067}" type="datetimeFigureOut">
               <a:rPr kumimoji="1" lang="ja-JP" altLang="en-US" smtClean="0"/>
-              <a:t>2022/8/2</a:t>
+              <a:t>2022/8/3</a:t>
             </a:fld>
             <a:endParaRPr kumimoji="1" lang="ja-JP" altLang="en-US"/>
           </a:p>
@@ -14837,6 +15122,65 @@
           <a:chExt cx="0" cy="0"/>
         </a:xfrm>
       </p:grpSpPr>
+      <p:pic>
+        <p:nvPicPr>
+          <p:cNvPr id="5" name="図 4">
+            <a:extLst>
+              <a:ext uri="{FF2B5EF4-FFF2-40B4-BE49-F238E27FC236}">
+                <a16:creationId xmlns:a16="http://schemas.microsoft.com/office/drawing/2014/main" id="{D5A947A0-AD89-BF1B-F231-F2F41B182687}"/>
+              </a:ext>
+            </a:extLst>
+          </p:cNvPr>
+          <p:cNvPicPr>
+            <a:picLocks noChangeAspect="1"/>
+          </p:cNvPicPr>
+          <p:nvPr/>
+        </p:nvPicPr>
+        <p:blipFill rotWithShape="1">
+          <a:blip r:embed="rId2"/>
+          <a:srcRect l="2984" t="7421" r="2823" b="19404"/>
+          <a:stretch/>
+        </p:blipFill>
+        <p:spPr>
+          <a:xfrm>
+            <a:off x="1673261" y="3926924"/>
+            <a:ext cx="4284312" cy="1258255"/>
+          </a:xfrm>
+          <a:prstGeom prst="rect">
+            <a:avLst/>
+          </a:prstGeom>
+        </p:spPr>
+      </p:pic>
+      <p:pic>
+        <p:nvPicPr>
+          <p:cNvPr id="4" name="図 3">
+            <a:extLst>
+              <a:ext uri="{FF2B5EF4-FFF2-40B4-BE49-F238E27FC236}">
+                <a16:creationId xmlns:a16="http://schemas.microsoft.com/office/drawing/2014/main" id="{FC6D9AD7-0ADE-FE8B-AB35-AA16A1CA6311}"/>
+              </a:ext>
+            </a:extLst>
+          </p:cNvPr>
+          <p:cNvPicPr>
+            <a:picLocks noChangeAspect="1"/>
+          </p:cNvPicPr>
+          <p:nvPr/>
+        </p:nvPicPr>
+        <p:blipFill>
+          <a:blip r:embed="rId3"/>
+          <a:stretch>
+            <a:fillRect/>
+          </a:stretch>
+        </p:blipFill>
+        <p:spPr>
+          <a:xfrm>
+            <a:off x="3850711" y="2448006"/>
+            <a:ext cx="857627" cy="857627"/>
+          </a:xfrm>
+          <a:prstGeom prst="rect">
+            <a:avLst/>
+          </a:prstGeom>
+        </p:spPr>
+      </p:pic>
       <p:sp>
         <p:nvSpPr>
           <p:cNvPr id="2" name="タイトル 1">
@@ -15106,7 +15450,7 @@
             </a:pPr>
             <a:r>
               <a:rPr lang="ja-JP" altLang="en-US" sz="2800" dirty="0"/>
-              <a:t>主に生育条件と時期が、野菜の販売数・価格に影響すると思われる。</a:t>
+              <a:t>主に各産地の生育条件と時期が、野菜の販売数・価格に影響すると思われる。</a:t>
             </a:r>
             <a:endParaRPr lang="en-US" altLang="ja-JP" sz="2000" dirty="0"/>
           </a:p>
@@ -15179,13 +15523,13 @@
           <p:nvPr/>
         </p:nvPicPr>
         <p:blipFill>
-          <a:blip r:embed="rId2">
+          <a:blip r:embed="rId4">
             <a:extLst>
               <a:ext uri="{28A0092B-C50C-407E-A947-70E740481C1C}">
                 <a14:useLocalDpi xmlns:a14="http://schemas.microsoft.com/office/drawing/2010/main" val="0"/>
               </a:ext>
               <a:ext uri="{96DAC541-7B7A-43D3-8B79-37D633B846F1}">
-                <asvg:svgBlip xmlns:asvg="http://schemas.microsoft.com/office/drawing/2016/SVG/main" r:embed="rId3"/>
+                <asvg:svgBlip xmlns:asvg="http://schemas.microsoft.com/office/drawing/2016/SVG/main" r:embed="rId5"/>
               </a:ext>
             </a:extLst>
           </a:blip>
@@ -15218,13 +15562,13 @@
           <p:nvPr/>
         </p:nvPicPr>
         <p:blipFill>
-          <a:blip r:embed="rId4">
+          <a:blip r:embed="rId6">
             <a:extLst>
               <a:ext uri="{28A0092B-C50C-407E-A947-70E740481C1C}">
                 <a14:useLocalDpi xmlns:a14="http://schemas.microsoft.com/office/drawing/2010/main" val="0"/>
               </a:ext>
               <a:ext uri="{96DAC541-7B7A-43D3-8B79-37D633B846F1}">
-                <asvg:svgBlip xmlns:asvg="http://schemas.microsoft.com/office/drawing/2016/SVG/main" r:embed="rId5"/>
+                <asvg:svgBlip xmlns:asvg="http://schemas.microsoft.com/office/drawing/2016/SVG/main" r:embed="rId7"/>
               </a:ext>
             </a:extLst>
           </a:blip>
@@ -15257,13 +15601,13 @@
           <p:nvPr/>
         </p:nvPicPr>
         <p:blipFill>
-          <a:blip r:embed="rId6">
+          <a:blip r:embed="rId8">
             <a:extLst>
               <a:ext uri="{28A0092B-C50C-407E-A947-70E740481C1C}">
                 <a14:useLocalDpi xmlns:a14="http://schemas.microsoft.com/office/drawing/2010/main" val="0"/>
               </a:ext>
               <a:ext uri="{96DAC541-7B7A-43D3-8B79-37D633B846F1}">
-                <asvg:svgBlip xmlns:asvg="http://schemas.microsoft.com/office/drawing/2016/SVG/main" r:embed="rId7"/>
+                <asvg:svgBlip xmlns:asvg="http://schemas.microsoft.com/office/drawing/2016/SVG/main" r:embed="rId9"/>
               </a:ext>
             </a:extLst>
           </a:blip>
@@ -15296,13 +15640,13 @@
           <p:nvPr/>
         </p:nvPicPr>
         <p:blipFill>
-          <a:blip r:embed="rId8">
+          <a:blip r:embed="rId10">
             <a:extLst>
               <a:ext uri="{28A0092B-C50C-407E-A947-70E740481C1C}">
                 <a14:useLocalDpi xmlns:a14="http://schemas.microsoft.com/office/drawing/2010/main" val="0"/>
               </a:ext>
               <a:ext uri="{96DAC541-7B7A-43D3-8B79-37D633B846F1}">
-                <asvg:svgBlip xmlns:asvg="http://schemas.microsoft.com/office/drawing/2016/SVG/main" r:embed="rId9"/>
+                <asvg:svgBlip xmlns:asvg="http://schemas.microsoft.com/office/drawing/2016/SVG/main" r:embed="rId11"/>
               </a:ext>
             </a:extLst>
           </a:blip>
@@ -15335,13 +15679,13 @@
           <p:nvPr/>
         </p:nvPicPr>
         <p:blipFill>
-          <a:blip r:embed="rId10">
+          <a:blip r:embed="rId12">
             <a:extLst>
               <a:ext uri="{28A0092B-C50C-407E-A947-70E740481C1C}">
                 <a14:useLocalDpi xmlns:a14="http://schemas.microsoft.com/office/drawing/2010/main" val="0"/>
               </a:ext>
               <a:ext uri="{96DAC541-7B7A-43D3-8B79-37D633B846F1}">
-                <asvg:svgBlip xmlns:asvg="http://schemas.microsoft.com/office/drawing/2016/SVG/main" r:embed="rId11"/>
+                <asvg:svgBlip xmlns:asvg="http://schemas.microsoft.com/office/drawing/2016/SVG/main" r:embed="rId13"/>
               </a:ext>
             </a:extLst>
           </a:blip>
@@ -15351,8 +15695,8 @@
         </p:blipFill>
         <p:spPr>
           <a:xfrm>
-            <a:off x="1862266" y="2238947"/>
-            <a:ext cx="970529" cy="970529"/>
+            <a:off x="1247012" y="5235307"/>
+            <a:ext cx="869225" cy="869225"/>
           </a:xfrm>
           <a:prstGeom prst="rect">
             <a:avLst/>
@@ -15410,8 +15754,8 @@
         </p:nvSpPr>
         <p:spPr>
           <a:xfrm>
-            <a:off x="73632" y="5678100"/>
-            <a:ext cx="886845" cy="338554"/>
+            <a:off x="321231" y="3931768"/>
+            <a:ext cx="886845" cy="369332"/>
           </a:xfrm>
           <a:prstGeom prst="rect">
             <a:avLst/>
@@ -15426,10 +15770,10 @@
           <a:p>
             <a:pPr algn="ctr"/>
             <a:r>
-              <a:rPr kumimoji="1" lang="ja-JP" altLang="en-US" sz="1600" dirty="0"/>
+              <a:rPr kumimoji="1" lang="ja-JP" altLang="en-US" dirty="0"/>
               <a:t>栽培暦</a:t>
             </a:r>
-            <a:endParaRPr kumimoji="1" lang="ja-JP" altLang="en-US" sz="1400" dirty="0"/>
+            <a:endParaRPr kumimoji="1" lang="ja-JP" altLang="en-US" sz="1600" dirty="0"/>
           </a:p>
         </p:txBody>
       </p:sp>
@@ -15489,13 +15833,13 @@
           <p:nvPr/>
         </p:nvPicPr>
         <p:blipFill>
-          <a:blip r:embed="rId12">
+          <a:blip r:embed="rId14">
             <a:extLst>
               <a:ext uri="{28A0092B-C50C-407E-A947-70E740481C1C}">
                 <a14:useLocalDpi xmlns:a14="http://schemas.microsoft.com/office/drawing/2010/main" val="0"/>
               </a:ext>
               <a:ext uri="{96DAC541-7B7A-43D3-8B79-37D633B846F1}">
-                <asvg:svgBlip xmlns:asvg="http://schemas.microsoft.com/office/drawing/2016/SVG/main" r:embed="rId13"/>
+                <asvg:svgBlip xmlns:asvg="http://schemas.microsoft.com/office/drawing/2016/SVG/main" r:embed="rId15"/>
               </a:ext>
             </a:extLst>
           </a:blip>
@@ -15569,13 +15913,13 @@
           <p:nvPr/>
         </p:nvPicPr>
         <p:blipFill>
-          <a:blip r:embed="rId12">
+          <a:blip r:embed="rId14">
             <a:extLst>
               <a:ext uri="{28A0092B-C50C-407E-A947-70E740481C1C}">
                 <a14:useLocalDpi xmlns:a14="http://schemas.microsoft.com/office/drawing/2010/main" val="0"/>
               </a:ext>
               <a:ext uri="{96DAC541-7B7A-43D3-8B79-37D633B846F1}">
-                <asvg:svgBlip xmlns:asvg="http://schemas.microsoft.com/office/drawing/2016/SVG/main" r:embed="rId13"/>
+                <asvg:svgBlip xmlns:asvg="http://schemas.microsoft.com/office/drawing/2016/SVG/main" r:embed="rId15"/>
               </a:ext>
             </a:extLst>
           </a:blip>
@@ -15654,7 +15998,7 @@
         </p:nvSpPr>
         <p:spPr>
           <a:xfrm>
-            <a:off x="2511351" y="1719880"/>
+            <a:off x="2404100" y="1721600"/>
             <a:ext cx="2159157" cy="369332"/>
           </a:xfrm>
           <a:prstGeom prst="rect">
@@ -15692,13 +16036,13 @@
           <p:nvPr/>
         </p:nvPicPr>
         <p:blipFill>
-          <a:blip r:embed="rId14">
+          <a:blip r:embed="rId16">
             <a:extLst>
               <a:ext uri="{28A0092B-C50C-407E-A947-70E740481C1C}">
                 <a14:useLocalDpi xmlns:a14="http://schemas.microsoft.com/office/drawing/2010/main" val="0"/>
               </a:ext>
               <a:ext uri="{96DAC541-7B7A-43D3-8B79-37D633B846F1}">
-                <asvg:svgBlip xmlns:asvg="http://schemas.microsoft.com/office/drawing/2016/SVG/main" r:embed="rId15"/>
+                <asvg:svgBlip xmlns:asvg="http://schemas.microsoft.com/office/drawing/2016/SVG/main" r:embed="rId17"/>
               </a:ext>
             </a:extLst>
           </a:blip>
@@ -15925,7 +16269,7 @@
         </p:nvSpPr>
         <p:spPr>
           <a:xfrm>
-            <a:off x="1933994" y="3160011"/>
+            <a:off x="612515" y="5276673"/>
             <a:ext cx="827072" cy="338554"/>
           </a:xfrm>
           <a:prstGeom prst="rect">
@@ -15963,13 +16307,13 @@
           <p:nvPr/>
         </p:nvPicPr>
         <p:blipFill>
-          <a:blip r:embed="rId12">
+          <a:blip r:embed="rId14">
             <a:extLst>
               <a:ext uri="{28A0092B-C50C-407E-A947-70E740481C1C}">
                 <a14:useLocalDpi xmlns:a14="http://schemas.microsoft.com/office/drawing/2010/main" val="0"/>
               </a:ext>
               <a:ext uri="{96DAC541-7B7A-43D3-8B79-37D633B846F1}">
-                <asvg:svgBlip xmlns:asvg="http://schemas.microsoft.com/office/drawing/2016/SVG/main" r:embed="rId13"/>
+                <asvg:svgBlip xmlns:asvg="http://schemas.microsoft.com/office/drawing/2016/SVG/main" r:embed="rId15"/>
               </a:ext>
             </a:extLst>
           </a:blip>
@@ -16002,13 +16346,13 @@
           <p:nvPr/>
         </p:nvPicPr>
         <p:blipFill>
-          <a:blip r:embed="rId12">
+          <a:blip r:embed="rId14">
             <a:extLst>
               <a:ext uri="{28A0092B-C50C-407E-A947-70E740481C1C}">
                 <a14:useLocalDpi xmlns:a14="http://schemas.microsoft.com/office/drawing/2010/main" val="0"/>
               </a:ext>
               <a:ext uri="{96DAC541-7B7A-43D3-8B79-37D633B846F1}">
-                <asvg:svgBlip xmlns:asvg="http://schemas.microsoft.com/office/drawing/2016/SVG/main" r:embed="rId13"/>
+                <asvg:svgBlip xmlns:asvg="http://schemas.microsoft.com/office/drawing/2016/SVG/main" r:embed="rId15"/>
               </a:ext>
             </a:extLst>
           </a:blip>
@@ -16215,13 +16559,13 @@
           <p:nvPr/>
         </p:nvPicPr>
         <p:blipFill>
-          <a:blip r:embed="rId8">
+          <a:blip r:embed="rId10">
             <a:extLst>
               <a:ext uri="{28A0092B-C50C-407E-A947-70E740481C1C}">
                 <a14:useLocalDpi xmlns:a14="http://schemas.microsoft.com/office/drawing/2010/main" val="0"/>
               </a:ext>
               <a:ext uri="{96DAC541-7B7A-43D3-8B79-37D633B846F1}">
-                <asvg:svgBlip xmlns:asvg="http://schemas.microsoft.com/office/drawing/2016/SVG/main" r:embed="rId9"/>
+                <asvg:svgBlip xmlns:asvg="http://schemas.microsoft.com/office/drawing/2016/SVG/main" r:embed="rId11"/>
               </a:ext>
             </a:extLst>
           </a:blip>
@@ -16254,13 +16598,13 @@
           <p:nvPr/>
         </p:nvPicPr>
         <p:blipFill>
-          <a:blip r:embed="rId14">
+          <a:blip r:embed="rId16">
             <a:extLst>
               <a:ext uri="{28A0092B-C50C-407E-A947-70E740481C1C}">
                 <a14:useLocalDpi xmlns:a14="http://schemas.microsoft.com/office/drawing/2010/main" val="0"/>
               </a:ext>
               <a:ext uri="{96DAC541-7B7A-43D3-8B79-37D633B846F1}">
-                <asvg:svgBlip xmlns:asvg="http://schemas.microsoft.com/office/drawing/2016/SVG/main" r:embed="rId15"/>
+                <asvg:svgBlip xmlns:asvg="http://schemas.microsoft.com/office/drawing/2016/SVG/main" r:embed="rId17"/>
               </a:ext>
             </a:extLst>
           </a:blip>
@@ -16270,7 +16614,7 @@
         </p:blipFill>
         <p:spPr>
           <a:xfrm>
-            <a:off x="3227853" y="3929472"/>
+            <a:off x="2363328" y="2517598"/>
             <a:ext cx="718442" cy="718442"/>
           </a:xfrm>
           <a:prstGeom prst="rect">
@@ -16423,7 +16767,7 @@
         </p:nvSpPr>
         <p:spPr>
           <a:xfrm rot="5400000">
-            <a:off x="4345406" y="4162417"/>
+            <a:off x="4835857" y="2760069"/>
             <a:ext cx="564623" cy="233501"/>
           </a:xfrm>
           <a:prstGeom prst="triangle">
@@ -16482,13 +16826,13 @@
           <p:nvPr/>
         </p:nvPicPr>
         <p:blipFill>
-          <a:blip r:embed="rId8">
+          <a:blip r:embed="rId10">
             <a:extLst>
               <a:ext uri="{28A0092B-C50C-407E-A947-70E740481C1C}">
                 <a14:useLocalDpi xmlns:a14="http://schemas.microsoft.com/office/drawing/2010/main" val="0"/>
               </a:ext>
               <a:ext uri="{96DAC541-7B7A-43D3-8B79-37D633B846F1}">
-                <asvg:svgBlip xmlns:asvg="http://schemas.microsoft.com/office/drawing/2016/SVG/main" r:embed="rId9"/>
+                <asvg:svgBlip xmlns:asvg="http://schemas.microsoft.com/office/drawing/2016/SVG/main" r:embed="rId11"/>
               </a:ext>
             </a:extLst>
           </a:blip>
@@ -16498,7 +16842,7 @@
         </p:blipFill>
         <p:spPr>
           <a:xfrm>
-            <a:off x="5310142" y="3919947"/>
+            <a:off x="5542898" y="2503614"/>
             <a:ext cx="776333" cy="746410"/>
           </a:xfrm>
           <a:prstGeom prst="rect">
@@ -16520,8 +16864,8 @@
         </p:nvSpPr>
         <p:spPr>
           <a:xfrm>
-            <a:off x="3255777" y="3638543"/>
-            <a:ext cx="677925" cy="338554"/>
+            <a:off x="2126271" y="2222090"/>
+            <a:ext cx="1194498" cy="338554"/>
           </a:xfrm>
           <a:prstGeom prst="rect">
             <a:avLst/>
@@ -16556,7 +16900,7 @@
         </p:nvSpPr>
         <p:spPr>
           <a:xfrm>
-            <a:off x="5050072" y="3631937"/>
+            <a:off x="5282828" y="2222090"/>
             <a:ext cx="1296471" cy="338554"/>
           </a:xfrm>
           <a:prstGeom prst="rect">
@@ -16573,7 +16917,7 @@
             <a:pPr algn="ctr"/>
             <a:r>
               <a:rPr kumimoji="1" lang="ja-JP" altLang="en-US" sz="1600" dirty="0"/>
-              <a:t>収穫・出荷</a:t>
+              <a:t>出荷</a:t>
             </a:r>
           </a:p>
         </p:txBody>
@@ -16593,13 +16937,13 @@
           <p:nvPr/>
         </p:nvPicPr>
         <p:blipFill>
-          <a:blip r:embed="rId16">
+          <a:blip r:embed="rId18">
             <a:extLst>
               <a:ext uri="{28A0092B-C50C-407E-A947-70E740481C1C}">
                 <a14:useLocalDpi xmlns:a14="http://schemas.microsoft.com/office/drawing/2010/main" val="0"/>
               </a:ext>
               <a:ext uri="{96DAC541-7B7A-43D3-8B79-37D633B846F1}">
-                <asvg:svgBlip xmlns:asvg="http://schemas.microsoft.com/office/drawing/2016/SVG/main" r:embed="rId17"/>
+                <asvg:svgBlip xmlns:asvg="http://schemas.microsoft.com/office/drawing/2016/SVG/main" r:embed="rId19"/>
               </a:ext>
             </a:extLst>
           </a:blip>
@@ -16609,7 +16953,7 @@
         </p:blipFill>
         <p:spPr>
           <a:xfrm>
-            <a:off x="1102258" y="3929472"/>
+            <a:off x="802999" y="2517598"/>
             <a:ext cx="718442" cy="718442"/>
           </a:xfrm>
           <a:prstGeom prst="rect">
@@ -16631,7 +16975,7 @@
         </p:nvSpPr>
         <p:spPr>
           <a:xfrm rot="5400000">
-            <a:off x="2181969" y="4180733"/>
+            <a:off x="1658267" y="2760069"/>
             <a:ext cx="564623" cy="233501"/>
           </a:xfrm>
           <a:prstGeom prst="triangle">
@@ -16689,7 +17033,7 @@
         </p:nvSpPr>
         <p:spPr>
           <a:xfrm>
-            <a:off x="1027266" y="3638543"/>
+            <a:off x="728007" y="2222090"/>
             <a:ext cx="932343" cy="338554"/>
           </a:xfrm>
           <a:prstGeom prst="rect">
@@ -16726,13 +17070,13 @@
           <p:nvPr/>
         </p:nvPicPr>
         <p:blipFill>
-          <a:blip r:embed="rId12">
+          <a:blip r:embed="rId14">
             <a:extLst>
               <a:ext uri="{28A0092B-C50C-407E-A947-70E740481C1C}">
                 <a14:useLocalDpi xmlns:a14="http://schemas.microsoft.com/office/drawing/2010/main" val="0"/>
               </a:ext>
               <a:ext uri="{96DAC541-7B7A-43D3-8B79-37D633B846F1}">
-                <asvg:svgBlip xmlns:asvg="http://schemas.microsoft.com/office/drawing/2016/SVG/main" r:embed="rId13"/>
+                <asvg:svgBlip xmlns:asvg="http://schemas.microsoft.com/office/drawing/2016/SVG/main" r:embed="rId15"/>
               </a:ext>
             </a:extLst>
           </a:blip>
@@ -16742,8 +17086,8 @@
         </p:blipFill>
         <p:spPr>
           <a:xfrm>
-            <a:off x="4298845" y="2234155"/>
-            <a:ext cx="1005839" cy="1005839"/>
+            <a:off x="4741683" y="5265546"/>
+            <a:ext cx="808747" cy="808747"/>
           </a:xfrm>
           <a:prstGeom prst="rect">
             <a:avLst/>
@@ -16764,7 +17108,7 @@
         </p:nvSpPr>
         <p:spPr>
           <a:xfrm>
-            <a:off x="4221876" y="3160011"/>
+            <a:off x="3673101" y="5274312"/>
             <a:ext cx="1159775" cy="338554"/>
           </a:xfrm>
           <a:prstGeom prst="rect">
@@ -16800,8 +17144,8 @@
         </p:nvSpPr>
         <p:spPr>
           <a:xfrm>
-            <a:off x="3056009" y="5099146"/>
-            <a:ext cx="1031739" cy="338554"/>
+            <a:off x="3707439" y="3444065"/>
+            <a:ext cx="1031739" cy="307777"/>
           </a:xfrm>
           <a:prstGeom prst="rect">
             <a:avLst/>
@@ -16816,7 +17160,7 @@
           <a:p>
             <a:pPr algn="ctr"/>
             <a:r>
-              <a:rPr kumimoji="1" lang="ja-JP" altLang="en-US" sz="1600" b="1" dirty="0">
+              <a:rPr kumimoji="1" lang="ja-JP" altLang="en-US" sz="1400" b="1" dirty="0">
                 <a:solidFill>
                   <a:schemeClr val="tx2"/>
                 </a:solidFill>
@@ -16840,8 +17184,8 @@
         </p:nvSpPr>
         <p:spPr>
           <a:xfrm rot="10800000">
-            <a:off x="3312427" y="4772647"/>
-            <a:ext cx="564623" cy="233501"/>
+            <a:off x="3946269" y="3280922"/>
+            <a:ext cx="564623" cy="150618"/>
           </a:xfrm>
           <a:prstGeom prst="triangle">
             <a:avLst/>
@@ -16882,6 +17226,434 @@
                 <a:schemeClr val="tx1"/>
               </a:solidFill>
             </a:endParaRPr>
+          </a:p>
+        </p:txBody>
+      </p:sp>
+      <p:sp>
+        <p:nvSpPr>
+          <p:cNvPr id="49" name="テキスト ボックス 48">
+            <a:extLst>
+              <a:ext uri="{FF2B5EF4-FFF2-40B4-BE49-F238E27FC236}">
+                <a16:creationId xmlns:a16="http://schemas.microsoft.com/office/drawing/2014/main" id="{A3F865FB-9E78-8F6A-A53C-013B8388A4D7}"/>
+              </a:ext>
+            </a:extLst>
+          </p:cNvPr>
+          <p:cNvSpPr txBox="1"/>
+          <p:nvPr/>
+        </p:nvSpPr>
+        <p:spPr>
+          <a:xfrm>
+            <a:off x="4153560" y="3686890"/>
+            <a:ext cx="776333" cy="276999"/>
+          </a:xfrm>
+          <a:prstGeom prst="rect">
+            <a:avLst/>
+          </a:prstGeom>
+          <a:noFill/>
+        </p:spPr>
+        <p:txBody>
+          <a:bodyPr wrap="square" rtlCol="0">
+            <a:spAutoFit/>
+          </a:bodyPr>
+          <a:lstStyle/>
+          <a:p>
+            <a:pPr algn="ctr"/>
+            <a:r>
+              <a:rPr kumimoji="1" lang="ja-JP" altLang="en-US" sz="1200" dirty="0"/>
+              <a:t>ピーク</a:t>
+            </a:r>
+          </a:p>
+        </p:txBody>
+      </p:sp>
+      <p:sp>
+        <p:nvSpPr>
+          <p:cNvPr id="58" name="テキスト ボックス 57">
+            <a:extLst>
+              <a:ext uri="{FF2B5EF4-FFF2-40B4-BE49-F238E27FC236}">
+                <a16:creationId xmlns:a16="http://schemas.microsoft.com/office/drawing/2014/main" id="{42E974ED-A232-4716-22F4-7101B16AF24C}"/>
+              </a:ext>
+            </a:extLst>
+          </p:cNvPr>
+          <p:cNvSpPr txBox="1"/>
+          <p:nvPr/>
+        </p:nvSpPr>
+        <p:spPr>
+          <a:xfrm>
+            <a:off x="232526" y="4260983"/>
+            <a:ext cx="1514319" cy="338554"/>
+          </a:xfrm>
+          <a:prstGeom prst="rect">
+            <a:avLst/>
+          </a:prstGeom>
+          <a:noFill/>
+        </p:spPr>
+        <p:txBody>
+          <a:bodyPr wrap="square" rtlCol="0">
+            <a:spAutoFit/>
+          </a:bodyPr>
+          <a:lstStyle/>
+          <a:p>
+            <a:pPr algn="ctr"/>
+            <a:r>
+              <a:rPr kumimoji="1" lang="ja-JP" altLang="en-US" sz="1600" dirty="0"/>
+              <a:t>（夏秋なす）</a:t>
+            </a:r>
+          </a:p>
+        </p:txBody>
+      </p:sp>
+      <p:sp>
+        <p:nvSpPr>
+          <p:cNvPr id="59" name="二等辺三角形 58">
+            <a:extLst>
+              <a:ext uri="{FF2B5EF4-FFF2-40B4-BE49-F238E27FC236}">
+                <a16:creationId xmlns:a16="http://schemas.microsoft.com/office/drawing/2014/main" id="{3F4E839A-4BF8-64F0-F8AF-7F1EE9CB2A51}"/>
+              </a:ext>
+            </a:extLst>
+          </p:cNvPr>
+          <p:cNvSpPr/>
+          <p:nvPr/>
+        </p:nvSpPr>
+        <p:spPr>
+          <a:xfrm rot="5400000">
+            <a:off x="3318118" y="2760069"/>
+            <a:ext cx="564623" cy="233501"/>
+          </a:xfrm>
+          <a:prstGeom prst="triangle">
+            <a:avLst/>
+          </a:prstGeom>
+          <a:solidFill>
+            <a:schemeClr val="bg1">
+              <a:lumMod val="65000"/>
+            </a:schemeClr>
+          </a:solidFill>
+          <a:ln>
+            <a:noFill/>
+          </a:ln>
+        </p:spPr>
+        <p:style>
+          <a:lnRef idx="2">
+            <a:schemeClr val="accent1">
+              <a:shade val="50000"/>
+            </a:schemeClr>
+          </a:lnRef>
+          <a:fillRef idx="1">
+            <a:schemeClr val="accent1"/>
+          </a:fillRef>
+          <a:effectRef idx="0">
+            <a:schemeClr val="accent1"/>
+          </a:effectRef>
+          <a:fontRef idx="minor">
+            <a:schemeClr val="lt1"/>
+          </a:fontRef>
+        </p:style>
+        <p:txBody>
+          <a:bodyPr rtlCol="0" anchor="ctr"/>
+          <a:lstStyle/>
+          <a:p>
+            <a:pPr algn="ctr"/>
+            <a:endParaRPr kumimoji="1" lang="ja-JP" altLang="en-US" dirty="0">
+              <a:solidFill>
+                <a:schemeClr val="tx1"/>
+              </a:solidFill>
+            </a:endParaRPr>
+          </a:p>
+        </p:txBody>
+      </p:sp>
+      <p:sp>
+        <p:nvSpPr>
+          <p:cNvPr id="61" name="テキスト ボックス 60">
+            <a:extLst>
+              <a:ext uri="{FF2B5EF4-FFF2-40B4-BE49-F238E27FC236}">
+                <a16:creationId xmlns:a16="http://schemas.microsoft.com/office/drawing/2014/main" id="{BCDC396D-7BC6-F63D-D410-2C701803F500}"/>
+              </a:ext>
+            </a:extLst>
+          </p:cNvPr>
+          <p:cNvSpPr txBox="1"/>
+          <p:nvPr/>
+        </p:nvSpPr>
+        <p:spPr>
+          <a:xfrm>
+            <a:off x="3673101" y="2222090"/>
+            <a:ext cx="1194498" cy="338554"/>
+          </a:xfrm>
+          <a:prstGeom prst="rect">
+            <a:avLst/>
+          </a:prstGeom>
+          <a:noFill/>
+        </p:spPr>
+        <p:txBody>
+          <a:bodyPr wrap="square" rtlCol="0">
+            <a:spAutoFit/>
+          </a:bodyPr>
+          <a:lstStyle/>
+          <a:p>
+            <a:pPr algn="ctr"/>
+            <a:r>
+              <a:rPr kumimoji="1" lang="ja-JP" altLang="en-US" sz="1600" dirty="0"/>
+              <a:t>収穫・選定</a:t>
+            </a:r>
+          </a:p>
+        </p:txBody>
+      </p:sp>
+      <p:sp>
+        <p:nvSpPr>
+          <p:cNvPr id="62" name="テキスト ボックス 61">
+            <a:extLst>
+              <a:ext uri="{FF2B5EF4-FFF2-40B4-BE49-F238E27FC236}">
+                <a16:creationId xmlns:a16="http://schemas.microsoft.com/office/drawing/2014/main" id="{428EC942-1D85-0579-F28A-4E564680305E}"/>
+              </a:ext>
+            </a:extLst>
+          </p:cNvPr>
+          <p:cNvSpPr txBox="1"/>
+          <p:nvPr/>
+        </p:nvSpPr>
+        <p:spPr>
+          <a:xfrm>
+            <a:off x="954599" y="3948974"/>
+            <a:ext cx="886845" cy="338554"/>
+          </a:xfrm>
+          <a:prstGeom prst="rect">
+            <a:avLst/>
+          </a:prstGeom>
+          <a:noFill/>
+        </p:spPr>
+        <p:txBody>
+          <a:bodyPr wrap="square" rtlCol="0">
+            <a:spAutoFit/>
+          </a:bodyPr>
+          <a:lstStyle/>
+          <a:p>
+            <a:pPr algn="ctr"/>
+            <a:r>
+              <a:rPr kumimoji="1" lang="ja-JP" altLang="en-US" sz="1600" dirty="0">
+                <a:solidFill>
+                  <a:srgbClr val="FF0000"/>
+                </a:solidFill>
+              </a:rPr>
+              <a:t>時期</a:t>
+            </a:r>
+            <a:endParaRPr kumimoji="1" lang="ja-JP" altLang="en-US" sz="1400" dirty="0">
+              <a:solidFill>
+                <a:srgbClr val="FF0000"/>
+              </a:solidFill>
+            </a:endParaRPr>
+          </a:p>
+        </p:txBody>
+      </p:sp>
+      <p:sp>
+        <p:nvSpPr>
+          <p:cNvPr id="63" name="テキスト ボックス 62">
+            <a:extLst>
+              <a:ext uri="{FF2B5EF4-FFF2-40B4-BE49-F238E27FC236}">
+                <a16:creationId xmlns:a16="http://schemas.microsoft.com/office/drawing/2014/main" id="{6D633548-1116-8146-8601-59BDC9776C19}"/>
+              </a:ext>
+            </a:extLst>
+          </p:cNvPr>
+          <p:cNvSpPr txBox="1"/>
+          <p:nvPr/>
+        </p:nvSpPr>
+        <p:spPr>
+          <a:xfrm>
+            <a:off x="5550430" y="5721530"/>
+            <a:ext cx="886845" cy="338554"/>
+          </a:xfrm>
+          <a:prstGeom prst="rect">
+            <a:avLst/>
+          </a:prstGeom>
+          <a:noFill/>
+        </p:spPr>
+        <p:txBody>
+          <a:bodyPr wrap="square" rtlCol="0">
+            <a:spAutoFit/>
+          </a:bodyPr>
+          <a:lstStyle/>
+          <a:p>
+            <a:pPr algn="ctr"/>
+            <a:r>
+              <a:rPr kumimoji="1" lang="ja-JP" altLang="en-US" sz="1600" dirty="0">
+                <a:solidFill>
+                  <a:srgbClr val="FF0000"/>
+                </a:solidFill>
+              </a:rPr>
+              <a:t>地域</a:t>
+            </a:r>
+          </a:p>
+        </p:txBody>
+      </p:sp>
+      <p:sp>
+        <p:nvSpPr>
+          <p:cNvPr id="67" name="テキスト ボックス 66">
+            <a:extLst>
+              <a:ext uri="{FF2B5EF4-FFF2-40B4-BE49-F238E27FC236}">
+                <a16:creationId xmlns:a16="http://schemas.microsoft.com/office/drawing/2014/main" id="{D6866EE3-9F26-7B7F-981E-7237A0E1DFC6}"/>
+              </a:ext>
+            </a:extLst>
+          </p:cNvPr>
+          <p:cNvSpPr txBox="1"/>
+          <p:nvPr/>
+        </p:nvSpPr>
+        <p:spPr>
+          <a:xfrm>
+            <a:off x="2122407" y="5530042"/>
+            <a:ext cx="1208178" cy="584775"/>
+          </a:xfrm>
+          <a:prstGeom prst="rect">
+            <a:avLst/>
+          </a:prstGeom>
+          <a:noFill/>
+        </p:spPr>
+        <p:txBody>
+          <a:bodyPr wrap="square" rtlCol="0">
+            <a:spAutoFit/>
+          </a:bodyPr>
+          <a:lstStyle/>
+          <a:p>
+            <a:pPr algn="ctr"/>
+            <a:r>
+              <a:rPr kumimoji="1" lang="ja-JP" altLang="en-US" sz="1600" dirty="0">
+                <a:solidFill>
+                  <a:srgbClr val="FF0000"/>
+                </a:solidFill>
+              </a:rPr>
+              <a:t>気温</a:t>
+            </a:r>
+            <a:r>
+              <a:rPr kumimoji="1" lang="en-US" altLang="ja-JP" sz="1600" dirty="0">
+                <a:solidFill>
+                  <a:srgbClr val="FF0000"/>
+                </a:solidFill>
+              </a:rPr>
+              <a:t>/</a:t>
+            </a:r>
+            <a:r>
+              <a:rPr kumimoji="1" lang="ja-JP" altLang="en-US" sz="1600" dirty="0">
+                <a:solidFill>
+                  <a:srgbClr val="FF0000"/>
+                </a:solidFill>
+              </a:rPr>
+              <a:t>降雨</a:t>
+            </a:r>
+            <a:r>
+              <a:rPr kumimoji="1" lang="en-US" altLang="ja-JP" sz="1600" dirty="0">
+                <a:solidFill>
+                  <a:srgbClr val="FF0000"/>
+                </a:solidFill>
+              </a:rPr>
+              <a:t>/</a:t>
+            </a:r>
+            <a:r>
+              <a:rPr kumimoji="1" lang="ja-JP" altLang="en-US" sz="1600" dirty="0">
+                <a:solidFill>
+                  <a:srgbClr val="FF0000"/>
+                </a:solidFill>
+              </a:rPr>
+              <a:t>日照</a:t>
+            </a:r>
+            <a:r>
+              <a:rPr kumimoji="1" lang="en-US" altLang="ja-JP" sz="1600" dirty="0">
+                <a:solidFill>
+                  <a:srgbClr val="FF0000"/>
+                </a:solidFill>
+              </a:rPr>
+              <a:t>/</a:t>
+            </a:r>
+            <a:r>
+              <a:rPr kumimoji="1" lang="ja-JP" altLang="en-US" sz="1600" dirty="0">
+                <a:solidFill>
+                  <a:srgbClr val="FF0000"/>
+                </a:solidFill>
+              </a:rPr>
+              <a:t>湿度</a:t>
+            </a:r>
+          </a:p>
+        </p:txBody>
+      </p:sp>
+      <p:sp>
+        <p:nvSpPr>
+          <p:cNvPr id="83" name="テキスト ボックス 82">
+            <a:extLst>
+              <a:ext uri="{FF2B5EF4-FFF2-40B4-BE49-F238E27FC236}">
+                <a16:creationId xmlns:a16="http://schemas.microsoft.com/office/drawing/2014/main" id="{3738950A-4EF5-37AA-429E-D992CA27FC21}"/>
+              </a:ext>
+            </a:extLst>
+          </p:cNvPr>
+          <p:cNvSpPr txBox="1"/>
+          <p:nvPr/>
+        </p:nvSpPr>
+        <p:spPr>
+          <a:xfrm>
+            <a:off x="1644132" y="3714311"/>
+            <a:ext cx="1936845" cy="276999"/>
+          </a:xfrm>
+          <a:prstGeom prst="rect">
+            <a:avLst/>
+          </a:prstGeom>
+          <a:noFill/>
+        </p:spPr>
+        <p:txBody>
+          <a:bodyPr wrap="square" rtlCol="0">
+            <a:spAutoFit/>
+          </a:bodyPr>
+          <a:lstStyle/>
+          <a:p>
+            <a:pPr algn="ctr"/>
+            <a:r>
+              <a:rPr kumimoji="1" lang="en-US" altLang="ja-JP" sz="1200" dirty="0"/>
+              <a:t>https://agripick.com/1532</a:t>
+            </a:r>
+            <a:endParaRPr kumimoji="1" lang="ja-JP" altLang="en-US" sz="1100" dirty="0"/>
+          </a:p>
+        </p:txBody>
+      </p:sp>
+      <p:sp>
+        <p:nvSpPr>
+          <p:cNvPr id="86" name="テキスト ボックス 85">
+            <a:extLst>
+              <a:ext uri="{FF2B5EF4-FFF2-40B4-BE49-F238E27FC236}">
+                <a16:creationId xmlns:a16="http://schemas.microsoft.com/office/drawing/2014/main" id="{59784499-685D-9C45-3A25-BA66F8271EBE}"/>
+              </a:ext>
+            </a:extLst>
+          </p:cNvPr>
+          <p:cNvSpPr txBox="1"/>
+          <p:nvPr/>
+        </p:nvSpPr>
+        <p:spPr>
+          <a:xfrm>
+            <a:off x="5045781" y="3150667"/>
+            <a:ext cx="1765729" cy="276999"/>
+          </a:xfrm>
+          <a:prstGeom prst="rect">
+            <a:avLst/>
+          </a:prstGeom>
+          <a:noFill/>
+        </p:spPr>
+        <p:txBody>
+          <a:bodyPr wrap="square" rtlCol="0">
+            <a:spAutoFit/>
+          </a:bodyPr>
+          <a:lstStyle/>
+          <a:p>
+            <a:pPr algn="ctr"/>
+            <a:r>
+              <a:rPr kumimoji="1" lang="ja-JP" altLang="en-US" sz="1200" dirty="0"/>
+              <a:t>出荷～卸売：</a:t>
+            </a:r>
+            <a:r>
+              <a:rPr kumimoji="1" lang="en-US" altLang="ja-JP" sz="1200" dirty="0"/>
+              <a:t>1</a:t>
+            </a:r>
+            <a:r>
+              <a:rPr kumimoji="1" lang="ja-JP" altLang="en-US" sz="1200" dirty="0"/>
+              <a:t>日～</a:t>
+            </a:r>
+            <a:r>
+              <a:rPr kumimoji="1" lang="en-US" altLang="ja-JP" sz="1200" dirty="0"/>
+              <a:t>3</a:t>
+            </a:r>
+            <a:r>
+              <a:rPr kumimoji="1" lang="ja-JP" altLang="en-US" sz="1200" dirty="0"/>
+              <a:t>日</a:t>
+            </a:r>
           </a:p>
         </p:txBody>
       </p:sp>
